--- a/assets/images/원본파일.pptx
+++ b/assets/images/원본파일.pptx
@@ -9,6 +9,7 @@
     <p:sldId id="257" r:id="rId3"/>
     <p:sldId id="259" r:id="rId4"/>
     <p:sldId id="258" r:id="rId5"/>
+    <p:sldId id="260" r:id="rId6"/>
   </p:sldIdLst>
   <p:sldSz cx="12192000" cy="6858000"/>
   <p:notesSz cx="6858000" cy="9144000"/>
@@ -246,7 +247,7 @@
           <a:p>
             <a:fld id="{C2B7B62F-73D0-452E-A2CF-DE05BDE4F387}" type="datetimeFigureOut">
               <a:rPr lang="ko-KR" altLang="en-US" smtClean="0"/>
-              <a:t>2022-04-04</a:t>
+              <a:t>2022-04-05</a:t>
             </a:fld>
             <a:endParaRPr lang="ko-KR" altLang="en-US"/>
           </a:p>
@@ -416,7 +417,7 @@
           <a:p>
             <a:fld id="{C2B7B62F-73D0-452E-A2CF-DE05BDE4F387}" type="datetimeFigureOut">
               <a:rPr lang="ko-KR" altLang="en-US" smtClean="0"/>
-              <a:t>2022-04-04</a:t>
+              <a:t>2022-04-05</a:t>
             </a:fld>
             <a:endParaRPr lang="ko-KR" altLang="en-US"/>
           </a:p>
@@ -596,7 +597,7 @@
           <a:p>
             <a:fld id="{C2B7B62F-73D0-452E-A2CF-DE05BDE4F387}" type="datetimeFigureOut">
               <a:rPr lang="ko-KR" altLang="en-US" smtClean="0"/>
-              <a:t>2022-04-04</a:t>
+              <a:t>2022-04-05</a:t>
             </a:fld>
             <a:endParaRPr lang="ko-KR" altLang="en-US"/>
           </a:p>
@@ -766,7 +767,7 @@
           <a:p>
             <a:fld id="{C2B7B62F-73D0-452E-A2CF-DE05BDE4F387}" type="datetimeFigureOut">
               <a:rPr lang="ko-KR" altLang="en-US" smtClean="0"/>
-              <a:t>2022-04-04</a:t>
+              <a:t>2022-04-05</a:t>
             </a:fld>
             <a:endParaRPr lang="ko-KR" altLang="en-US"/>
           </a:p>
@@ -1012,7 +1013,7 @@
           <a:p>
             <a:fld id="{C2B7B62F-73D0-452E-A2CF-DE05BDE4F387}" type="datetimeFigureOut">
               <a:rPr lang="ko-KR" altLang="en-US" smtClean="0"/>
-              <a:t>2022-04-04</a:t>
+              <a:t>2022-04-05</a:t>
             </a:fld>
             <a:endParaRPr lang="ko-KR" altLang="en-US"/>
           </a:p>
@@ -1244,7 +1245,7 @@
           <a:p>
             <a:fld id="{C2B7B62F-73D0-452E-A2CF-DE05BDE4F387}" type="datetimeFigureOut">
               <a:rPr lang="ko-KR" altLang="en-US" smtClean="0"/>
-              <a:t>2022-04-04</a:t>
+              <a:t>2022-04-05</a:t>
             </a:fld>
             <a:endParaRPr lang="ko-KR" altLang="en-US"/>
           </a:p>
@@ -1611,7 +1612,7 @@
           <a:p>
             <a:fld id="{C2B7B62F-73D0-452E-A2CF-DE05BDE4F387}" type="datetimeFigureOut">
               <a:rPr lang="ko-KR" altLang="en-US" smtClean="0"/>
-              <a:t>2022-04-04</a:t>
+              <a:t>2022-04-05</a:t>
             </a:fld>
             <a:endParaRPr lang="ko-KR" altLang="en-US"/>
           </a:p>
@@ -1729,7 +1730,7 @@
           <a:p>
             <a:fld id="{C2B7B62F-73D0-452E-A2CF-DE05BDE4F387}" type="datetimeFigureOut">
               <a:rPr lang="ko-KR" altLang="en-US" smtClean="0"/>
-              <a:t>2022-04-04</a:t>
+              <a:t>2022-04-05</a:t>
             </a:fld>
             <a:endParaRPr lang="ko-KR" altLang="en-US"/>
           </a:p>
@@ -1824,7 +1825,7 @@
           <a:p>
             <a:fld id="{C2B7B62F-73D0-452E-A2CF-DE05BDE4F387}" type="datetimeFigureOut">
               <a:rPr lang="ko-KR" altLang="en-US" smtClean="0"/>
-              <a:t>2022-04-04</a:t>
+              <a:t>2022-04-05</a:t>
             </a:fld>
             <a:endParaRPr lang="ko-KR" altLang="en-US"/>
           </a:p>
@@ -2101,7 +2102,7 @@
           <a:p>
             <a:fld id="{C2B7B62F-73D0-452E-A2CF-DE05BDE4F387}" type="datetimeFigureOut">
               <a:rPr lang="ko-KR" altLang="en-US" smtClean="0"/>
-              <a:t>2022-04-04</a:t>
+              <a:t>2022-04-05</a:t>
             </a:fld>
             <a:endParaRPr lang="ko-KR" altLang="en-US"/>
           </a:p>
@@ -2354,7 +2355,7 @@
           <a:p>
             <a:fld id="{C2B7B62F-73D0-452E-A2CF-DE05BDE4F387}" type="datetimeFigureOut">
               <a:rPr lang="ko-KR" altLang="en-US" smtClean="0"/>
-              <a:t>2022-04-04</a:t>
+              <a:t>2022-04-05</a:t>
             </a:fld>
             <a:endParaRPr lang="ko-KR" altLang="en-US"/>
           </a:p>
@@ -2567,7 +2568,7 @@
           <a:p>
             <a:fld id="{C2B7B62F-73D0-452E-A2CF-DE05BDE4F387}" type="datetimeFigureOut">
               <a:rPr lang="ko-KR" altLang="en-US" smtClean="0"/>
-              <a:t>2022-04-04</a:t>
+              <a:t>2022-04-05</a:t>
             </a:fld>
             <a:endParaRPr lang="ko-KR" altLang="en-US"/>
           </a:p>
@@ -3681,6 +3682,171 @@
 </p:sld>
 </file>
 
+<file path=ppt/slides/slide5.xml><?xml version="1.0" encoding="utf-8"?>
+<p:sld xmlns:a="http://schemas.openxmlformats.org/drawingml/2006/main" xmlns:r="http://schemas.openxmlformats.org/officeDocument/2006/relationships" xmlns:p="http://schemas.openxmlformats.org/presentationml/2006/main">
+  <p:cSld>
+    <p:spTree>
+      <p:nvGrpSpPr>
+        <p:cNvPr id="1" name=""/>
+        <p:cNvGrpSpPr/>
+        <p:nvPr/>
+      </p:nvGrpSpPr>
+      <p:grpSpPr>
+        <a:xfrm>
+          <a:off x="0" y="0"/>
+          <a:ext cx="0" cy="0"/>
+          <a:chOff x="0" y="0"/>
+          <a:chExt cx="0" cy="0"/>
+        </a:xfrm>
+      </p:grpSpPr>
+      <p:grpSp>
+        <p:nvGrpSpPr>
+          <p:cNvPr id="4" name="그룹 3"/>
+          <p:cNvGrpSpPr/>
+          <p:nvPr/>
+        </p:nvGrpSpPr>
+        <p:grpSpPr>
+          <a:xfrm>
+            <a:off x="0" y="0"/>
+            <a:ext cx="12192000" cy="6858000"/>
+            <a:chOff x="0" y="0"/>
+            <a:chExt cx="12192000" cy="6858000"/>
+          </a:xfrm>
+        </p:grpSpPr>
+        <p:pic>
+          <p:nvPicPr>
+            <p:cNvPr id="3" name="그림 2"/>
+            <p:cNvPicPr>
+              <a:picLocks noChangeAspect="1"/>
+            </p:cNvPicPr>
+            <p:nvPr/>
+          </p:nvPicPr>
+          <p:blipFill>
+            <a:blip r:embed="rId2">
+              <a:extLst>
+                <a:ext uri="{28A0092B-C50C-407E-A947-70E740481C1C}">
+                  <a14:useLocalDpi xmlns:a14="http://schemas.microsoft.com/office/drawing/2010/main" val="0"/>
+                </a:ext>
+              </a:extLst>
+            </a:blip>
+            <a:stretch>
+              <a:fillRect/>
+            </a:stretch>
+          </p:blipFill>
+          <p:spPr>
+            <a:xfrm>
+              <a:off x="0" y="0"/>
+              <a:ext cx="12192000" cy="6858000"/>
+            </a:xfrm>
+            <a:prstGeom prst="rect">
+              <a:avLst/>
+            </a:prstGeom>
+          </p:spPr>
+        </p:pic>
+        <p:sp>
+          <p:nvSpPr>
+            <p:cNvPr id="6" name="TextBox 5"/>
+            <p:cNvSpPr txBox="1"/>
+            <p:nvPr/>
+          </p:nvSpPr>
+          <p:spPr>
+            <a:xfrm>
+              <a:off x="2001766" y="990160"/>
+              <a:ext cx="7710673" cy="4339650"/>
+            </a:xfrm>
+            <a:prstGeom prst="rect">
+              <a:avLst/>
+            </a:prstGeom>
+            <a:noFill/>
+            <a:ln>
+              <a:noFill/>
+            </a:ln>
+            <a:effectLst>
+              <a:outerShdw blurRad="50800" dist="38100" dir="18900000" algn="bl" rotWithShape="0">
+                <a:prstClr val="black">
+                  <a:alpha val="40000"/>
+                </a:prstClr>
+              </a:outerShdw>
+            </a:effectLst>
+          </p:spPr>
+          <p:txBody>
+            <a:bodyPr wrap="square" rtlCol="0">
+              <a:spAutoFit/>
+            </a:bodyPr>
+            <a:lstStyle/>
+            <a:p>
+              <a:pPr algn="ctr"/>
+              <a:r>
+                <a:rPr lang="en-US" altLang="ko-KR" sz="13800" b="1" smtClean="0">
+                  <a:ln/>
+                  <a:solidFill>
+                    <a:schemeClr val="bg1"/>
+                  </a:solidFill>
+                  <a:effectLst>
+                    <a:outerShdw blurRad="1270000" dist="19050" dir="2700000" algn="tl" rotWithShape="0">
+                      <a:schemeClr val="dk1">
+                        <a:lumMod val="50000"/>
+                        <a:alpha val="39000"/>
+                      </a:schemeClr>
+                    </a:outerShdw>
+                    <a:reflection blurRad="88900" stA="55000" endA="300" endPos="45500" dir="5400000" sy="-100000" algn="bl" rotWithShape="0"/>
+                  </a:effectLst>
+                </a:rPr>
+                <a:t>TOY</a:t>
+              </a:r>
+            </a:p>
+            <a:p>
+              <a:pPr algn="ctr"/>
+              <a:r>
+                <a:rPr lang="en-US" altLang="ko-KR" sz="13800" b="1" smtClean="0">
+                  <a:ln/>
+                  <a:solidFill>
+                    <a:schemeClr val="bg1"/>
+                  </a:solidFill>
+                  <a:effectLst>
+                    <a:outerShdw blurRad="1270000" dist="19050" dir="2700000" algn="tl" rotWithShape="0">
+                      <a:schemeClr val="dk1">
+                        <a:lumMod val="50000"/>
+                        <a:alpha val="39000"/>
+                      </a:schemeClr>
+                    </a:outerShdw>
+                    <a:reflection blurRad="88900" stA="55000" endA="300" endPos="45500" dir="5400000" sy="-100000" algn="bl" rotWithShape="0"/>
+                  </a:effectLst>
+                </a:rPr>
+                <a:t>Project</a:t>
+              </a:r>
+              <a:endParaRPr lang="en-US" altLang="ko-KR" sz="13800" b="1" smtClean="0">
+                <a:ln/>
+                <a:solidFill>
+                  <a:schemeClr val="bg1"/>
+                </a:solidFill>
+                <a:effectLst>
+                  <a:outerShdw blurRad="1270000" dist="19050" dir="2700000" algn="tl" rotWithShape="0">
+                    <a:schemeClr val="dk1">
+                      <a:lumMod val="50000"/>
+                      <a:alpha val="39000"/>
+                    </a:schemeClr>
+                  </a:outerShdw>
+                  <a:reflection blurRad="88900" stA="55000" endA="300" endPos="45500" dir="5400000" sy="-100000" algn="bl" rotWithShape="0"/>
+                </a:effectLst>
+              </a:endParaRPr>
+            </a:p>
+          </p:txBody>
+        </p:sp>
+      </p:grpSp>
+    </p:spTree>
+    <p:extLst>
+      <p:ext uri="{BB962C8B-B14F-4D97-AF65-F5344CB8AC3E}">
+        <p14:creationId xmlns:p14="http://schemas.microsoft.com/office/powerpoint/2010/main" val="457870507"/>
+      </p:ext>
+    </p:extLst>
+  </p:cSld>
+  <p:clrMapOvr>
+    <a:masterClrMapping/>
+  </p:clrMapOvr>
+</p:sld>
+</file>
+
 <file path=ppt/theme/theme1.xml><?xml version="1.0" encoding="utf-8"?>
 <a:theme xmlns:a="http://schemas.openxmlformats.org/drawingml/2006/main" name="Office 테마">
   <a:themeElements>
